--- a/Slides/IETF 117 ROSA use case - webbrowsing.pptx
+++ b/Slides/IETF 117 ROSA use case - webbrowsing.pptx
@@ -247,8 +247,11 @@
     </a:lvl9pPr>
   </p:defaultTextStyle>
   <p:extLst>
+    <p:ext uri="{EFAFB233-063F-42B5-8137-9DF3F51BA10A}">
+      <p15:sldGuideLst xmlns:p15="http://schemas.microsoft.com/office/powerpoint/2012/main"/>
+    </p:ext>
     <p:ext uri="GoogleSlidesCustomDataVersion2">
-      <go:slidesCustomData xmlns:go="http://customooxmlschemas.google.com/" xmlns:ahyp="http://schemas.microsoft.com/office/drawing/2018/hyperlinkcolor" xmlns:p15="http://schemas.microsoft.com/office/powerpoint/2012/main" xmlns:p14="http://schemas.microsoft.com/office/powerpoint/2010/main" xmlns:com="http://schemas.openxmlformats.org/drawingml/2006/compatibility" xmlns:pvml="urn:schemas-microsoft-com:office:powerpoint" xmlns:v="urn:schemas-microsoft-com:vml" xmlns:o="urn:schemas-microsoft-com:office:office" xmlns:dgm="http://schemas.openxmlformats.org/drawingml/2006/diagram" xmlns:c="http://schemas.openxmlformats.org/drawingml/2006/chart" xmlns:mv="urn:schemas-microsoft-com:mac:vml" xmlns:mc="http://schemas.openxmlformats.org/markup-compatibility/2006" xmlns="" r:id="rId12" roundtripDataSignature="AMtx7mh41lU4YTSlxYwyx6TBTGCqD9k53Q=="/>
+      <go:slidesCustomData xmlns="" xmlns:mc="http://schemas.openxmlformats.org/markup-compatibility/2006" xmlns:mv="urn:schemas-microsoft-com:mac:vml" xmlns:c="http://schemas.openxmlformats.org/drawingml/2006/chart" xmlns:dgm="http://schemas.openxmlformats.org/drawingml/2006/diagram" xmlns:o="urn:schemas-microsoft-com:office:office" xmlns:v="urn:schemas-microsoft-com:vml" xmlns:pvml="urn:schemas-microsoft-com:office:powerpoint" xmlns:com="http://schemas.openxmlformats.org/drawingml/2006/compatibility" xmlns:p14="http://schemas.microsoft.com/office/powerpoint/2010/main" xmlns:p15="http://schemas.microsoft.com/office/powerpoint/2012/main" xmlns:ahyp="http://schemas.microsoft.com/office/drawing/2018/hyperlinkcolor" xmlns:go="http://customooxmlschemas.google.com/" r:id="rId12" roundtripDataSignature="AMtx7mh41lU4YTSlxYwyx6TBTGCqD9k53Q=="/>
     </p:ext>
   </p:extLst>
 </p:presentation>
@@ -265,34 +268,6 @@
     </p:extLst>
   </p:cmAuthor>
 </p:cmAuthorLst>
-</file>
-
-<file path=ppt/comments/comment1.xml><?xml version="1.0" encoding="utf-8"?>
-<p:cmLst xmlns:a="http://schemas.openxmlformats.org/drawingml/2006/main" xmlns:r="http://schemas.openxmlformats.org/officeDocument/2006/relationships" xmlns:p="http://schemas.openxmlformats.org/presentationml/2006/main">
-  <p:cm authorId="0" dt="2023-07-17T09:29:05.505" idx="1">
-    <p:pos x="6000" y="0"/>
-    <p:text>About the sub-bullet of point 1, I see Rosa also helping even when web services are hosted in CDN. Since the in-band Rosa resolution may provide better performance and the CDN based DSN revolver solution.</p:text>
-    <p:extLst>
-      <p:ext uri="{C676402C-5697-4E1C-873F-D02D1690AC5C}">
-        <p15:threadingInfo xmlns:p15="http://schemas.microsoft.com/office/powerpoint/2012/main" timeZoneBias="0"/>
-      </p:ext>
-      <p:ext uri="http://customooxmlschemas.google.com/">
-        <go:slidesCustomData xmlns:go="http://customooxmlschemas.google.com/" xmlns:ahyp="http://schemas.microsoft.com/office/drawing/2018/hyperlinkcolor" xmlns:p15="http://schemas.microsoft.com/office/powerpoint/2012/main" xmlns:p14="http://schemas.microsoft.com/office/powerpoint/2010/main" xmlns:com="http://schemas.openxmlformats.org/drawingml/2006/compatibility" xmlns:pvml="urn:schemas-microsoft-com:office:powerpoint" xmlns:v="urn:schemas-microsoft-com:vml" xmlns:o="urn:schemas-microsoft-com:office:office" xmlns:dgm="http://schemas.openxmlformats.org/drawingml/2006/diagram" xmlns:c="http://schemas.openxmlformats.org/drawingml/2006/chart" xmlns:mv="urn:schemas-microsoft-com:mac:vml" xmlns:mc="http://schemas.openxmlformats.org/markup-compatibility/2006" xmlns="" commentPostId="AAAA1H_G7Oo"/>
-      </p:ext>
-    </p:extLst>
-  </p:cm>
-  <p:cm authorId="1" dt="2023-07-18T10:39:18.410" idx="1">
-    <p:pos x="6000" y="136"/>
-    <p:text>I explicitly listed this in the expectation now!</p:text>
-    <p:extLst>
-      <p:ext uri="{C676402C-5697-4E1C-873F-D02D1690AC5C}">
-        <p15:threadingInfo xmlns:p15="http://schemas.microsoft.com/office/powerpoint/2012/main" timeZoneBias="-120">
-          <p15:parentCm authorId="0" idx="1"/>
-        </p15:threadingInfo>
-      </p:ext>
-    </p:extLst>
-  </p:cm>
-</p:cmLst>
 </file>
 
 <file path=ppt/notesMasters/notesMaster1.xml><?xml version="1.0" encoding="utf-8"?>
